--- a/Automated Design/AutoCAD Help (Documentation)/Alissa.pptx
+++ b/Automated Design/AutoCAD Help (Documentation)/Alissa.pptx
@@ -298,7 +298,8 @@
           <a:p>
             <a:fld id="{087A0389-BC3B-4D42-8063-04F959072E19}" type="datetimeFigureOut">
               <a:rPr lang="en-US" smtClean="0"/>
-              <a:t>7/30/2008</a:t>
+              <a:pPr/>
+              <a:t>7/31/2008</a:t>
             </a:fld>
             <a:endParaRPr lang="en-US"/>
           </a:p>
@@ -340,6 +341,7 @@
           <a:p>
             <a:fld id="{84488D4D-E614-41DF-B9FF-36C638C9B7C8}" type="slidenum">
               <a:rPr lang="en-US" smtClean="0"/>
+              <a:pPr/>
               <a:t>‹#›</a:t>
             </a:fld>
             <a:endParaRPr lang="en-US"/>
@@ -463,7 +465,8 @@
           <a:p>
             <a:fld id="{087A0389-BC3B-4D42-8063-04F959072E19}" type="datetimeFigureOut">
               <a:rPr lang="en-US" smtClean="0"/>
-              <a:t>7/30/2008</a:t>
+              <a:pPr/>
+              <a:t>7/31/2008</a:t>
             </a:fld>
             <a:endParaRPr lang="en-US"/>
           </a:p>
@@ -505,6 +508,7 @@
           <a:p>
             <a:fld id="{84488D4D-E614-41DF-B9FF-36C638C9B7C8}" type="slidenum">
               <a:rPr lang="en-US" smtClean="0"/>
+              <a:pPr/>
               <a:t>‹#›</a:t>
             </a:fld>
             <a:endParaRPr lang="en-US"/>
@@ -638,7 +642,8 @@
           <a:p>
             <a:fld id="{087A0389-BC3B-4D42-8063-04F959072E19}" type="datetimeFigureOut">
               <a:rPr lang="en-US" smtClean="0"/>
-              <a:t>7/30/2008</a:t>
+              <a:pPr/>
+              <a:t>7/31/2008</a:t>
             </a:fld>
             <a:endParaRPr lang="en-US"/>
           </a:p>
@@ -680,6 +685,7 @@
           <a:p>
             <a:fld id="{84488D4D-E614-41DF-B9FF-36C638C9B7C8}" type="slidenum">
               <a:rPr lang="en-US" smtClean="0"/>
+              <a:pPr/>
               <a:t>‹#›</a:t>
             </a:fld>
             <a:endParaRPr lang="en-US"/>
@@ -803,7 +809,8 @@
           <a:p>
             <a:fld id="{087A0389-BC3B-4D42-8063-04F959072E19}" type="datetimeFigureOut">
               <a:rPr lang="en-US" smtClean="0"/>
-              <a:t>7/30/2008</a:t>
+              <a:pPr/>
+              <a:t>7/31/2008</a:t>
             </a:fld>
             <a:endParaRPr lang="en-US"/>
           </a:p>
@@ -845,6 +852,7 @@
           <a:p>
             <a:fld id="{84488D4D-E614-41DF-B9FF-36C638C9B7C8}" type="slidenum">
               <a:rPr lang="en-US" smtClean="0"/>
+              <a:pPr/>
               <a:t>‹#›</a:t>
             </a:fld>
             <a:endParaRPr lang="en-US"/>
@@ -1044,7 +1052,8 @@
           <a:p>
             <a:fld id="{087A0389-BC3B-4D42-8063-04F959072E19}" type="datetimeFigureOut">
               <a:rPr lang="en-US" smtClean="0"/>
-              <a:t>7/30/2008</a:t>
+              <a:pPr/>
+              <a:t>7/31/2008</a:t>
             </a:fld>
             <a:endParaRPr lang="en-US"/>
           </a:p>
@@ -1086,6 +1095,7 @@
           <a:p>
             <a:fld id="{84488D4D-E614-41DF-B9FF-36C638C9B7C8}" type="slidenum">
               <a:rPr lang="en-US" smtClean="0"/>
+              <a:pPr/>
               <a:t>‹#›</a:t>
             </a:fld>
             <a:endParaRPr lang="en-US"/>
@@ -1327,7 +1337,8 @@
           <a:p>
             <a:fld id="{087A0389-BC3B-4D42-8063-04F959072E19}" type="datetimeFigureOut">
               <a:rPr lang="en-US" smtClean="0"/>
-              <a:t>7/30/2008</a:t>
+              <a:pPr/>
+              <a:t>7/31/2008</a:t>
             </a:fld>
             <a:endParaRPr lang="en-US"/>
           </a:p>
@@ -1369,6 +1380,7 @@
           <a:p>
             <a:fld id="{84488D4D-E614-41DF-B9FF-36C638C9B7C8}" type="slidenum">
               <a:rPr lang="en-US" smtClean="0"/>
+              <a:pPr/>
               <a:t>‹#›</a:t>
             </a:fld>
             <a:endParaRPr lang="en-US"/>
@@ -1744,7 +1756,8 @@
           <a:p>
             <a:fld id="{087A0389-BC3B-4D42-8063-04F959072E19}" type="datetimeFigureOut">
               <a:rPr lang="en-US" smtClean="0"/>
-              <a:t>7/30/2008</a:t>
+              <a:pPr/>
+              <a:t>7/31/2008</a:t>
             </a:fld>
             <a:endParaRPr lang="en-US"/>
           </a:p>
@@ -1786,6 +1799,7 @@
           <a:p>
             <a:fld id="{84488D4D-E614-41DF-B9FF-36C638C9B7C8}" type="slidenum">
               <a:rPr lang="en-US" smtClean="0"/>
+              <a:pPr/>
               <a:t>‹#›</a:t>
             </a:fld>
             <a:endParaRPr lang="en-US"/>
@@ -1857,7 +1871,8 @@
           <a:p>
             <a:fld id="{087A0389-BC3B-4D42-8063-04F959072E19}" type="datetimeFigureOut">
               <a:rPr lang="en-US" smtClean="0"/>
-              <a:t>7/30/2008</a:t>
+              <a:pPr/>
+              <a:t>7/31/2008</a:t>
             </a:fld>
             <a:endParaRPr lang="en-US"/>
           </a:p>
@@ -1899,6 +1914,7 @@
           <a:p>
             <a:fld id="{84488D4D-E614-41DF-B9FF-36C638C9B7C8}" type="slidenum">
               <a:rPr lang="en-US" smtClean="0"/>
+              <a:pPr/>
               <a:t>‹#›</a:t>
             </a:fld>
             <a:endParaRPr lang="en-US"/>
@@ -1947,7 +1963,8 @@
           <a:p>
             <a:fld id="{087A0389-BC3B-4D42-8063-04F959072E19}" type="datetimeFigureOut">
               <a:rPr lang="en-US" smtClean="0"/>
-              <a:t>7/30/2008</a:t>
+              <a:pPr/>
+              <a:t>7/31/2008</a:t>
             </a:fld>
             <a:endParaRPr lang="en-US"/>
           </a:p>
@@ -1989,6 +2006,7 @@
           <a:p>
             <a:fld id="{84488D4D-E614-41DF-B9FF-36C638C9B7C8}" type="slidenum">
               <a:rPr lang="en-US" smtClean="0"/>
+              <a:pPr/>
               <a:t>‹#›</a:t>
             </a:fld>
             <a:endParaRPr lang="en-US"/>
@@ -2219,7 +2237,8 @@
           <a:p>
             <a:fld id="{087A0389-BC3B-4D42-8063-04F959072E19}" type="datetimeFigureOut">
               <a:rPr lang="en-US" smtClean="0"/>
-              <a:t>7/30/2008</a:t>
+              <a:pPr/>
+              <a:t>7/31/2008</a:t>
             </a:fld>
             <a:endParaRPr lang="en-US"/>
           </a:p>
@@ -2261,6 +2280,7 @@
           <a:p>
             <a:fld id="{84488D4D-E614-41DF-B9FF-36C638C9B7C8}" type="slidenum">
               <a:rPr lang="en-US" smtClean="0"/>
+              <a:pPr/>
               <a:t>‹#›</a:t>
             </a:fld>
             <a:endParaRPr lang="en-US"/>
@@ -2467,7 +2487,8 @@
           <a:p>
             <a:fld id="{087A0389-BC3B-4D42-8063-04F959072E19}" type="datetimeFigureOut">
               <a:rPr lang="en-US" smtClean="0"/>
-              <a:t>7/30/2008</a:t>
+              <a:pPr/>
+              <a:t>7/31/2008</a:t>
             </a:fld>
             <a:endParaRPr lang="en-US"/>
           </a:p>
@@ -2509,6 +2530,7 @@
           <a:p>
             <a:fld id="{84488D4D-E614-41DF-B9FF-36C638C9B7C8}" type="slidenum">
               <a:rPr lang="en-US" smtClean="0"/>
+              <a:pPr/>
               <a:t>‹#›</a:t>
             </a:fld>
             <a:endParaRPr lang="en-US"/>
@@ -2675,7 +2697,8 @@
           <a:p>
             <a:fld id="{087A0389-BC3B-4D42-8063-04F959072E19}" type="datetimeFigureOut">
               <a:rPr lang="en-US" smtClean="0"/>
-              <a:t>7/30/2008</a:t>
+              <a:pPr/>
+              <a:t>7/31/2008</a:t>
             </a:fld>
             <a:endParaRPr lang="en-US"/>
           </a:p>
@@ -2753,6 +2776,7 @@
           <a:p>
             <a:fld id="{84488D4D-E614-41DF-B9FF-36C638C9B7C8}" type="slidenum">
               <a:rPr lang="en-US" smtClean="0"/>
+              <a:pPr/>
               <a:t>‹#›</a:t>
             </a:fld>
             <a:endParaRPr lang="en-US"/>
